--- a/CheckPoint_37_Cloud_Fundamentals_Deployment.pptx
+++ b/CheckPoint_37_Cloud_Fundamentals_Deployment.pptx
@@ -7,6 +7,7 @@
   <p:sldIdLst>
     <p:sldId id="256" r:id="rId2"/>
     <p:sldId id="257" r:id="rId3"/>
+    <p:sldId id="258" r:id="rId4"/>
   </p:sldIdLst>
   <p:sldSz cx="12192000" cy="6858000"/>
   <p:notesSz cx="6858000" cy="9144000"/>
@@ -3698,6 +3699,104 @@
 </p:sld>
 </file>
 
+<file path=ppt/slides/slide3.xml><?xml version="1.0" encoding="utf-8"?>
+<p:sld xmlns:a="http://schemas.openxmlformats.org/drawingml/2006/main" xmlns:r="http://schemas.openxmlformats.org/officeDocument/2006/relationships" xmlns:p="http://schemas.openxmlformats.org/presentationml/2006/main">
+  <p:cSld>
+    <p:spTree>
+      <p:nvGrpSpPr>
+        <p:cNvPr id="1" name=""/>
+        <p:cNvGrpSpPr/>
+        <p:nvPr/>
+      </p:nvGrpSpPr>
+      <p:grpSpPr>
+        <a:xfrm>
+          <a:off x="0" y="0"/>
+          <a:ext cx="0" cy="0"/>
+          <a:chOff x="0" y="0"/>
+          <a:chExt cx="0" cy="0"/>
+        </a:xfrm>
+      </p:grpSpPr>
+      <p:sp>
+        <p:nvSpPr>
+          <p:cNvPr id="3" name="ZoneTexte 2">
+            <a:extLst>
+              <a:ext uri="{FF2B5EF4-FFF2-40B4-BE49-F238E27FC236}">
+                <a16:creationId xmlns:a16="http://schemas.microsoft.com/office/drawing/2014/main" id="{A0118921-4D1D-4929-B237-2B0BCD8EE7B6}"/>
+              </a:ext>
+            </a:extLst>
+          </p:cNvPr>
+          <p:cNvSpPr txBox="1"/>
+          <p:nvPr/>
+        </p:nvSpPr>
+        <p:spPr>
+          <a:xfrm>
+            <a:off x="530652" y="3105835"/>
+            <a:ext cx="11130697" cy="646331"/>
+          </a:xfrm>
+          <a:prstGeom prst="rect">
+            <a:avLst/>
+          </a:prstGeom>
+          <a:noFill/>
+        </p:spPr>
+        <p:txBody>
+          <a:bodyPr wrap="square">
+            <a:spAutoFit/>
+          </a:bodyPr>
+          <a:lstStyle/>
+          <a:p>
+            <a:r>
+              <a:rPr lang="fr-FR" dirty="0"/>
+              <a:t>L'exercice demande </a:t>
+            </a:r>
+            <a:r>
+              <a:rPr lang="fr-FR" b="1" dirty="0"/>
+              <a:t>un déploiement sur Microsoft Azure</a:t>
+            </a:r>
+            <a:r>
+              <a:rPr lang="fr-FR" dirty="0"/>
+              <a:t>, mais </a:t>
+            </a:r>
+            <a:r>
+              <a:rPr lang="fr-FR" b="1" dirty="0" err="1"/>
+              <a:t>Vercel</a:t>
+            </a:r>
+            <a:r>
+              <a:rPr lang="fr-FR" dirty="0"/>
+              <a:t> était mentionné </a:t>
+            </a:r>
+            <a:r>
+              <a:rPr lang="fr-FR" b="1" dirty="0"/>
+              <a:t>en feedback après la première évaluation de ce </a:t>
+            </a:r>
+            <a:r>
+              <a:rPr lang="fr-FR" b="1" dirty="0" err="1"/>
+              <a:t>CheckPoint</a:t>
+            </a:r>
+            <a:r>
+              <a:rPr lang="fr-FR" b="1" dirty="0"/>
+              <a:t> </a:t>
+            </a:r>
+            <a:r>
+              <a:rPr lang="fr-FR" dirty="0"/>
+              <a:t>. </a:t>
+            </a:r>
+            <a:endParaRPr lang="fr-FR" b="1" dirty="0"/>
+          </a:p>
+        </p:txBody>
+      </p:sp>
+    </p:spTree>
+    <p:extLst>
+      <p:ext uri="{BB962C8B-B14F-4D97-AF65-F5344CB8AC3E}">
+        <p14:creationId xmlns:p14="http://schemas.microsoft.com/office/powerpoint/2010/main" val="1721824974"/>
+      </p:ext>
+    </p:extLst>
+  </p:cSld>
+  <p:clrMapOvr>
+    <a:masterClrMapping/>
+  </p:clrMapOvr>
+</p:sld>
+</file>
+
 <file path=ppt/theme/theme1.xml><?xml version="1.0" encoding="utf-8"?>
 <a:theme xmlns:a="http://schemas.openxmlformats.org/drawingml/2006/main" name="Thème Office">
   <a:themeElements>
